--- a/atividade_POO/PROJETO ESCOLA.pptx
+++ b/atividade_POO/PROJETO ESCOLA.pptx
@@ -2,25 +2,25 @@
 <file path=ppt/presentation.xml><?xml version="1.0" encoding="utf-8"?>
 <p:presentation xmlns:a="http://schemas.openxmlformats.org/drawingml/2006/main" xmlns:r="http://schemas.openxmlformats.org/officeDocument/2006/relationships" xmlns:p="http://schemas.openxmlformats.org/presentationml/2006/main" saveSubsetFonts="1">
   <p:sldMasterIdLst>
-    <p:sldMasterId id="2147483648" r:id="rId1"/>
+    <p:sldMasterId id="2147483648" r:id="rId4"/>
   </p:sldMasterIdLst>
   <p:sldIdLst>
-    <p:sldId id="256" r:id="rId2"/>
-    <p:sldId id="257" r:id="rId3"/>
-    <p:sldId id="258" r:id="rId4"/>
-    <p:sldId id="259" r:id="rId5"/>
-    <p:sldId id="260" r:id="rId6"/>
-    <p:sldId id="262" r:id="rId7"/>
-    <p:sldId id="263" r:id="rId8"/>
-    <p:sldId id="264" r:id="rId9"/>
-    <p:sldId id="265" r:id="rId10"/>
-    <p:sldId id="272" r:id="rId11"/>
-    <p:sldId id="266" r:id="rId12"/>
-    <p:sldId id="261" r:id="rId13"/>
-    <p:sldId id="268" r:id="rId14"/>
-    <p:sldId id="267" r:id="rId15"/>
-    <p:sldId id="269" r:id="rId16"/>
-    <p:sldId id="270" r:id="rId17"/>
+    <p:sldId id="256" r:id="rId5"/>
+    <p:sldId id="257" r:id="rId6"/>
+    <p:sldId id="258" r:id="rId7"/>
+    <p:sldId id="259" r:id="rId8"/>
+    <p:sldId id="260" r:id="rId9"/>
+    <p:sldId id="262" r:id="rId10"/>
+    <p:sldId id="263" r:id="rId11"/>
+    <p:sldId id="264" r:id="rId12"/>
+    <p:sldId id="265" r:id="rId13"/>
+    <p:sldId id="272" r:id="rId14"/>
+    <p:sldId id="266" r:id="rId15"/>
+    <p:sldId id="261" r:id="rId16"/>
+    <p:sldId id="268" r:id="rId17"/>
+    <p:sldId id="267" r:id="rId18"/>
+    <p:sldId id="269" r:id="rId19"/>
+    <p:sldId id="270" r:id="rId20"/>
   </p:sldIdLst>
   <p:sldSz cx="12192000" cy="6858000"/>
   <p:notesSz cx="6858000" cy="9144000"/>
@@ -274,7 +274,7 @@
           <a:p>
             <a:fld id="{B87F3BE5-D0CF-4956-8E0C-FBE54C73AA67}" type="datetimeFigureOut">
               <a:rPr lang="pt-BR" smtClean="0"/>
-              <a:t>13/07/2020</a:t>
+              <a:t>28/03/2025</a:t>
             </a:fld>
             <a:endParaRPr lang="pt-BR"/>
           </a:p>
@@ -472,7 +472,7 @@
           <a:p>
             <a:fld id="{B87F3BE5-D0CF-4956-8E0C-FBE54C73AA67}" type="datetimeFigureOut">
               <a:rPr lang="pt-BR" smtClean="0"/>
-              <a:t>13/07/2020</a:t>
+              <a:t>28/03/2025</a:t>
             </a:fld>
             <a:endParaRPr lang="pt-BR"/>
           </a:p>
@@ -680,7 +680,7 @@
           <a:p>
             <a:fld id="{B87F3BE5-D0CF-4956-8E0C-FBE54C73AA67}" type="datetimeFigureOut">
               <a:rPr lang="pt-BR" smtClean="0"/>
-              <a:t>13/07/2020</a:t>
+              <a:t>28/03/2025</a:t>
             </a:fld>
             <a:endParaRPr lang="pt-BR"/>
           </a:p>
@@ -878,7 +878,7 @@
           <a:p>
             <a:fld id="{B87F3BE5-D0CF-4956-8E0C-FBE54C73AA67}" type="datetimeFigureOut">
               <a:rPr lang="pt-BR" smtClean="0"/>
-              <a:t>13/07/2020</a:t>
+              <a:t>28/03/2025</a:t>
             </a:fld>
             <a:endParaRPr lang="pt-BR"/>
           </a:p>
@@ -1153,7 +1153,7 @@
           <a:p>
             <a:fld id="{B87F3BE5-D0CF-4956-8E0C-FBE54C73AA67}" type="datetimeFigureOut">
               <a:rPr lang="pt-BR" smtClean="0"/>
-              <a:t>13/07/2020</a:t>
+              <a:t>28/03/2025</a:t>
             </a:fld>
             <a:endParaRPr lang="pt-BR"/>
           </a:p>
@@ -1418,7 +1418,7 @@
           <a:p>
             <a:fld id="{B87F3BE5-D0CF-4956-8E0C-FBE54C73AA67}" type="datetimeFigureOut">
               <a:rPr lang="pt-BR" smtClean="0"/>
-              <a:t>13/07/2020</a:t>
+              <a:t>28/03/2025</a:t>
             </a:fld>
             <a:endParaRPr lang="pt-BR"/>
           </a:p>
@@ -1830,7 +1830,7 @@
           <a:p>
             <a:fld id="{B87F3BE5-D0CF-4956-8E0C-FBE54C73AA67}" type="datetimeFigureOut">
               <a:rPr lang="pt-BR" smtClean="0"/>
-              <a:t>13/07/2020</a:t>
+              <a:t>28/03/2025</a:t>
             </a:fld>
             <a:endParaRPr lang="pt-BR"/>
           </a:p>
@@ -1971,7 +1971,7 @@
           <a:p>
             <a:fld id="{B87F3BE5-D0CF-4956-8E0C-FBE54C73AA67}" type="datetimeFigureOut">
               <a:rPr lang="pt-BR" smtClean="0"/>
-              <a:t>13/07/2020</a:t>
+              <a:t>28/03/2025</a:t>
             </a:fld>
             <a:endParaRPr lang="pt-BR"/>
           </a:p>
@@ -2084,7 +2084,7 @@
           <a:p>
             <a:fld id="{B87F3BE5-D0CF-4956-8E0C-FBE54C73AA67}" type="datetimeFigureOut">
               <a:rPr lang="pt-BR" smtClean="0"/>
-              <a:t>13/07/2020</a:t>
+              <a:t>28/03/2025</a:t>
             </a:fld>
             <a:endParaRPr lang="pt-BR"/>
           </a:p>
@@ -2395,7 +2395,7 @@
           <a:p>
             <a:fld id="{B87F3BE5-D0CF-4956-8E0C-FBE54C73AA67}" type="datetimeFigureOut">
               <a:rPr lang="pt-BR" smtClean="0"/>
-              <a:t>13/07/2020</a:t>
+              <a:t>28/03/2025</a:t>
             </a:fld>
             <a:endParaRPr lang="pt-BR"/>
           </a:p>
@@ -2683,7 +2683,7 @@
           <a:p>
             <a:fld id="{B87F3BE5-D0CF-4956-8E0C-FBE54C73AA67}" type="datetimeFigureOut">
               <a:rPr lang="pt-BR" smtClean="0"/>
-              <a:t>13/07/2020</a:t>
+              <a:t>28/03/2025</a:t>
             </a:fld>
             <a:endParaRPr lang="pt-BR"/>
           </a:p>
@@ -2924,7 +2924,7 @@
           <a:p>
             <a:fld id="{B87F3BE5-D0CF-4956-8E0C-FBE54C73AA67}" type="datetimeFigureOut">
               <a:rPr lang="pt-BR" smtClean="0"/>
-              <a:t>13/07/2020</a:t>
+              <a:t>28/03/2025</a:t>
             </a:fld>
             <a:endParaRPr lang="pt-BR"/>
           </a:p>
@@ -4891,13 +4891,8 @@
           <a:p>
             <a:r>
               <a:rPr lang="pt-BR" dirty="0"/>
-              <a:t>ATUALIZAR O VALOR DO SALÁRIO. </a:t>
-            </a:r>
-            <a:r>
-              <a:rPr lang="pt-BR"/>
-              <a:t>EXIBIR O VALOR DO SALÁRIO.</a:t>
-            </a:r>
-            <a:endParaRPr lang="pt-BR" dirty="0"/>
+              <a:t>ATUALIZAR O VALOR DO SALÁRIO. EXIBIR O VALOR DO SALÁRIO.</a:t>
+            </a:r>
           </a:p>
           <a:p>
             <a:endParaRPr lang="pt-BR" dirty="0"/>
@@ -5006,6 +5001,574 @@
           </a:xfrm>
         </p:spPr>
       </p:pic>
+      <p:cxnSp>
+        <p:nvCxnSpPr>
+          <p:cNvPr id="4" name="Conector reto 3">
+            <a:extLst>
+              <a:ext uri="{FF2B5EF4-FFF2-40B4-BE49-F238E27FC236}">
+                <a16:creationId xmlns:a16="http://schemas.microsoft.com/office/drawing/2014/main" id="{8236371C-48F3-4CB1-8C20-507AAE302F63}"/>
+              </a:ext>
+            </a:extLst>
+          </p:cNvPr>
+          <p:cNvCxnSpPr/>
+          <p:nvPr/>
+        </p:nvCxnSpPr>
+        <p:spPr>
+          <a:xfrm>
+            <a:off x="4389120" y="2631882"/>
+            <a:ext cx="985962" cy="0"/>
+          </a:xfrm>
+          <a:prstGeom prst="line">
+            <a:avLst/>
+          </a:prstGeom>
+        </p:spPr>
+        <p:style>
+          <a:lnRef idx="1">
+            <a:schemeClr val="accent1"/>
+          </a:lnRef>
+          <a:fillRef idx="0">
+            <a:schemeClr val="accent1"/>
+          </a:fillRef>
+          <a:effectRef idx="0">
+            <a:schemeClr val="accent1"/>
+          </a:effectRef>
+          <a:fontRef idx="minor">
+            <a:schemeClr val="tx1"/>
+          </a:fontRef>
+        </p:style>
+      </p:cxnSp>
+      <p:cxnSp>
+        <p:nvCxnSpPr>
+          <p:cNvPr id="7" name="Conector reto 6">
+            <a:extLst>
+              <a:ext uri="{FF2B5EF4-FFF2-40B4-BE49-F238E27FC236}">
+                <a16:creationId xmlns:a16="http://schemas.microsoft.com/office/drawing/2014/main" id="{868B3BF7-3F2D-4929-9FCA-ADDEF3B0948C}"/>
+              </a:ext>
+            </a:extLst>
+          </p:cNvPr>
+          <p:cNvCxnSpPr>
+            <a:cxnSpLocks/>
+          </p:cNvCxnSpPr>
+          <p:nvPr/>
+        </p:nvCxnSpPr>
+        <p:spPr>
+          <a:xfrm>
+            <a:off x="4454056" y="2824038"/>
+            <a:ext cx="1445812" cy="0"/>
+          </a:xfrm>
+          <a:prstGeom prst="line">
+            <a:avLst/>
+          </a:prstGeom>
+        </p:spPr>
+        <p:style>
+          <a:lnRef idx="1">
+            <a:schemeClr val="accent1"/>
+          </a:lnRef>
+          <a:fillRef idx="0">
+            <a:schemeClr val="accent1"/>
+          </a:fillRef>
+          <a:effectRef idx="0">
+            <a:schemeClr val="accent1"/>
+          </a:effectRef>
+          <a:fontRef idx="minor">
+            <a:schemeClr val="tx1"/>
+          </a:fontRef>
+        </p:style>
+      </p:cxnSp>
+      <p:cxnSp>
+        <p:nvCxnSpPr>
+          <p:cNvPr id="9" name="Conector reto 8">
+            <a:extLst>
+              <a:ext uri="{FF2B5EF4-FFF2-40B4-BE49-F238E27FC236}">
+                <a16:creationId xmlns:a16="http://schemas.microsoft.com/office/drawing/2014/main" id="{37CD2990-391E-4A0C-BB0E-675460BE0CBA}"/>
+              </a:ext>
+            </a:extLst>
+          </p:cNvPr>
+          <p:cNvCxnSpPr>
+            <a:cxnSpLocks/>
+          </p:cNvCxnSpPr>
+          <p:nvPr/>
+        </p:nvCxnSpPr>
+        <p:spPr>
+          <a:xfrm>
+            <a:off x="4376149" y="3008243"/>
+            <a:ext cx="1445812" cy="0"/>
+          </a:xfrm>
+          <a:prstGeom prst="line">
+            <a:avLst/>
+          </a:prstGeom>
+        </p:spPr>
+        <p:style>
+          <a:lnRef idx="1">
+            <a:schemeClr val="accent1"/>
+          </a:lnRef>
+          <a:fillRef idx="0">
+            <a:schemeClr val="accent1"/>
+          </a:fillRef>
+          <a:effectRef idx="0">
+            <a:schemeClr val="accent1"/>
+          </a:effectRef>
+          <a:fontRef idx="minor">
+            <a:schemeClr val="tx1"/>
+          </a:fontRef>
+        </p:style>
+      </p:cxnSp>
+      <p:cxnSp>
+        <p:nvCxnSpPr>
+          <p:cNvPr id="10" name="Conector reto 9">
+            <a:extLst>
+              <a:ext uri="{FF2B5EF4-FFF2-40B4-BE49-F238E27FC236}">
+                <a16:creationId xmlns:a16="http://schemas.microsoft.com/office/drawing/2014/main" id="{6CDCE551-FEBA-422A-910B-2436D25B5A9C}"/>
+              </a:ext>
+            </a:extLst>
+          </p:cNvPr>
+          <p:cNvCxnSpPr>
+            <a:cxnSpLocks/>
+          </p:cNvCxnSpPr>
+          <p:nvPr/>
+        </p:nvCxnSpPr>
+        <p:spPr>
+          <a:xfrm>
+            <a:off x="4528829" y="3677477"/>
+            <a:ext cx="1445812" cy="0"/>
+          </a:xfrm>
+          <a:prstGeom prst="line">
+            <a:avLst/>
+          </a:prstGeom>
+        </p:spPr>
+        <p:style>
+          <a:lnRef idx="1">
+            <a:schemeClr val="accent1"/>
+          </a:lnRef>
+          <a:fillRef idx="0">
+            <a:schemeClr val="accent1"/>
+          </a:fillRef>
+          <a:effectRef idx="0">
+            <a:schemeClr val="accent1"/>
+          </a:effectRef>
+          <a:fontRef idx="minor">
+            <a:schemeClr val="tx1"/>
+          </a:fontRef>
+        </p:style>
+      </p:cxnSp>
+      <p:cxnSp>
+        <p:nvCxnSpPr>
+          <p:cNvPr id="11" name="Conector reto 10">
+            <a:extLst>
+              <a:ext uri="{FF2B5EF4-FFF2-40B4-BE49-F238E27FC236}">
+                <a16:creationId xmlns:a16="http://schemas.microsoft.com/office/drawing/2014/main" id="{B5F969C9-AAE5-44F7-AB87-84289CDE1349}"/>
+              </a:ext>
+            </a:extLst>
+          </p:cNvPr>
+          <p:cNvCxnSpPr>
+            <a:cxnSpLocks/>
+          </p:cNvCxnSpPr>
+          <p:nvPr/>
+        </p:nvCxnSpPr>
+        <p:spPr>
+          <a:xfrm>
+            <a:off x="5099055" y="2088540"/>
+            <a:ext cx="1445812" cy="0"/>
+          </a:xfrm>
+          <a:prstGeom prst="line">
+            <a:avLst/>
+          </a:prstGeom>
+        </p:spPr>
+        <p:style>
+          <a:lnRef idx="1">
+            <a:schemeClr val="accent1"/>
+          </a:lnRef>
+          <a:fillRef idx="0">
+            <a:schemeClr val="accent1"/>
+          </a:fillRef>
+          <a:effectRef idx="0">
+            <a:schemeClr val="accent1"/>
+          </a:effectRef>
+          <a:fontRef idx="minor">
+            <a:schemeClr val="tx1"/>
+          </a:fontRef>
+        </p:style>
+      </p:cxnSp>
+      <p:cxnSp>
+        <p:nvCxnSpPr>
+          <p:cNvPr id="12" name="Conector reto 11">
+            <a:extLst>
+              <a:ext uri="{FF2B5EF4-FFF2-40B4-BE49-F238E27FC236}">
+                <a16:creationId xmlns:a16="http://schemas.microsoft.com/office/drawing/2014/main" id="{08767B4B-3954-4965-AD48-9F597375D5BF}"/>
+              </a:ext>
+            </a:extLst>
+          </p:cNvPr>
+          <p:cNvCxnSpPr>
+            <a:cxnSpLocks/>
+          </p:cNvCxnSpPr>
+          <p:nvPr/>
+        </p:nvCxnSpPr>
+        <p:spPr>
+          <a:xfrm>
+            <a:off x="2695493" y="4705843"/>
+            <a:ext cx="1445812" cy="0"/>
+          </a:xfrm>
+          <a:prstGeom prst="line">
+            <a:avLst/>
+          </a:prstGeom>
+        </p:spPr>
+        <p:style>
+          <a:lnRef idx="1">
+            <a:schemeClr val="accent1"/>
+          </a:lnRef>
+          <a:fillRef idx="0">
+            <a:schemeClr val="accent1"/>
+          </a:fillRef>
+          <a:effectRef idx="0">
+            <a:schemeClr val="accent1"/>
+          </a:effectRef>
+          <a:fontRef idx="minor">
+            <a:schemeClr val="tx1"/>
+          </a:fontRef>
+        </p:style>
+      </p:cxnSp>
+      <p:cxnSp>
+        <p:nvCxnSpPr>
+          <p:cNvPr id="13" name="Conector reto 12">
+            <a:extLst>
+              <a:ext uri="{FF2B5EF4-FFF2-40B4-BE49-F238E27FC236}">
+                <a16:creationId xmlns:a16="http://schemas.microsoft.com/office/drawing/2014/main" id="{6CD736D5-328F-4788-8945-6BAFDF1D0B25}"/>
+              </a:ext>
+            </a:extLst>
+          </p:cNvPr>
+          <p:cNvCxnSpPr>
+            <a:cxnSpLocks/>
+          </p:cNvCxnSpPr>
+          <p:nvPr/>
+        </p:nvCxnSpPr>
+        <p:spPr>
+          <a:xfrm>
+            <a:off x="1357406" y="5176294"/>
+            <a:ext cx="1445812" cy="0"/>
+          </a:xfrm>
+          <a:prstGeom prst="line">
+            <a:avLst/>
+          </a:prstGeom>
+        </p:spPr>
+        <p:style>
+          <a:lnRef idx="1">
+            <a:schemeClr val="accent1"/>
+          </a:lnRef>
+          <a:fillRef idx="0">
+            <a:schemeClr val="accent1"/>
+          </a:fillRef>
+          <a:effectRef idx="0">
+            <a:schemeClr val="accent1"/>
+          </a:effectRef>
+          <a:fontRef idx="minor">
+            <a:schemeClr val="tx1"/>
+          </a:fontRef>
+        </p:style>
+      </p:cxnSp>
+      <p:cxnSp>
+        <p:nvCxnSpPr>
+          <p:cNvPr id="14" name="Conector reto 13">
+            <a:extLst>
+              <a:ext uri="{FF2B5EF4-FFF2-40B4-BE49-F238E27FC236}">
+                <a16:creationId xmlns:a16="http://schemas.microsoft.com/office/drawing/2014/main" id="{E56CC59D-E207-4CD3-BE72-EA6367A38982}"/>
+              </a:ext>
+            </a:extLst>
+          </p:cNvPr>
+          <p:cNvCxnSpPr>
+            <a:cxnSpLocks/>
+          </p:cNvCxnSpPr>
+          <p:nvPr/>
+        </p:nvCxnSpPr>
+        <p:spPr>
+          <a:xfrm>
+            <a:off x="1357406" y="5368449"/>
+            <a:ext cx="1445812" cy="0"/>
+          </a:xfrm>
+          <a:prstGeom prst="line">
+            <a:avLst/>
+          </a:prstGeom>
+        </p:spPr>
+        <p:style>
+          <a:lnRef idx="1">
+            <a:schemeClr val="accent1"/>
+          </a:lnRef>
+          <a:fillRef idx="0">
+            <a:schemeClr val="accent1"/>
+          </a:fillRef>
+          <a:effectRef idx="0">
+            <a:schemeClr val="accent1"/>
+          </a:effectRef>
+          <a:fontRef idx="minor">
+            <a:schemeClr val="tx1"/>
+          </a:fontRef>
+        </p:style>
+      </p:cxnSp>
+      <p:cxnSp>
+        <p:nvCxnSpPr>
+          <p:cNvPr id="15" name="Conector reto 14">
+            <a:extLst>
+              <a:ext uri="{FF2B5EF4-FFF2-40B4-BE49-F238E27FC236}">
+                <a16:creationId xmlns:a16="http://schemas.microsoft.com/office/drawing/2014/main" id="{A8D64454-3E94-4DF9-87BC-4BE896B527DC}"/>
+              </a:ext>
+            </a:extLst>
+          </p:cNvPr>
+          <p:cNvCxnSpPr>
+            <a:cxnSpLocks/>
+          </p:cNvCxnSpPr>
+          <p:nvPr/>
+        </p:nvCxnSpPr>
+        <p:spPr>
+          <a:xfrm>
+            <a:off x="1433989" y="5576507"/>
+            <a:ext cx="1445812" cy="0"/>
+          </a:xfrm>
+          <a:prstGeom prst="line">
+            <a:avLst/>
+          </a:prstGeom>
+        </p:spPr>
+        <p:style>
+          <a:lnRef idx="1">
+            <a:schemeClr val="accent1"/>
+          </a:lnRef>
+          <a:fillRef idx="0">
+            <a:schemeClr val="accent1"/>
+          </a:fillRef>
+          <a:effectRef idx="0">
+            <a:schemeClr val="accent1"/>
+          </a:effectRef>
+          <a:fontRef idx="minor">
+            <a:schemeClr val="tx1"/>
+          </a:fontRef>
+        </p:style>
+      </p:cxnSp>
+      <p:cxnSp>
+        <p:nvCxnSpPr>
+          <p:cNvPr id="16" name="Conector reto 15">
+            <a:extLst>
+              <a:ext uri="{FF2B5EF4-FFF2-40B4-BE49-F238E27FC236}">
+                <a16:creationId xmlns:a16="http://schemas.microsoft.com/office/drawing/2014/main" id="{06616D8A-714F-469D-B953-09C8A5A3A709}"/>
+              </a:ext>
+            </a:extLst>
+          </p:cNvPr>
+          <p:cNvCxnSpPr>
+            <a:cxnSpLocks/>
+          </p:cNvCxnSpPr>
+          <p:nvPr/>
+        </p:nvCxnSpPr>
+        <p:spPr>
+          <a:xfrm>
+            <a:off x="7704638" y="4705843"/>
+            <a:ext cx="1445812" cy="0"/>
+          </a:xfrm>
+          <a:prstGeom prst="line">
+            <a:avLst/>
+          </a:prstGeom>
+        </p:spPr>
+        <p:style>
+          <a:lnRef idx="1">
+            <a:schemeClr val="accent1"/>
+          </a:lnRef>
+          <a:fillRef idx="0">
+            <a:schemeClr val="accent1"/>
+          </a:fillRef>
+          <a:effectRef idx="0">
+            <a:schemeClr val="accent1"/>
+          </a:effectRef>
+          <a:fontRef idx="minor">
+            <a:schemeClr val="tx1"/>
+          </a:fontRef>
+        </p:style>
+      </p:cxnSp>
+      <p:cxnSp>
+        <p:nvCxnSpPr>
+          <p:cNvPr id="17" name="Conector reto 16">
+            <a:extLst>
+              <a:ext uri="{FF2B5EF4-FFF2-40B4-BE49-F238E27FC236}">
+                <a16:creationId xmlns:a16="http://schemas.microsoft.com/office/drawing/2014/main" id="{8064FED0-92E5-49AC-A373-7299A6F9B572}"/>
+              </a:ext>
+            </a:extLst>
+          </p:cNvPr>
+          <p:cNvCxnSpPr>
+            <a:cxnSpLocks/>
+          </p:cNvCxnSpPr>
+          <p:nvPr/>
+        </p:nvCxnSpPr>
+        <p:spPr>
+          <a:xfrm>
+            <a:off x="6667140" y="5187618"/>
+            <a:ext cx="1445812" cy="0"/>
+          </a:xfrm>
+          <a:prstGeom prst="line">
+            <a:avLst/>
+          </a:prstGeom>
+        </p:spPr>
+        <p:style>
+          <a:lnRef idx="1">
+            <a:schemeClr val="accent1"/>
+          </a:lnRef>
+          <a:fillRef idx="0">
+            <a:schemeClr val="accent1"/>
+          </a:fillRef>
+          <a:effectRef idx="0">
+            <a:schemeClr val="accent1"/>
+          </a:effectRef>
+          <a:fontRef idx="minor">
+            <a:schemeClr val="tx1"/>
+          </a:fontRef>
+        </p:style>
+      </p:cxnSp>
+      <p:cxnSp>
+        <p:nvCxnSpPr>
+          <p:cNvPr id="18" name="Conector reto 17">
+            <a:extLst>
+              <a:ext uri="{FF2B5EF4-FFF2-40B4-BE49-F238E27FC236}">
+                <a16:creationId xmlns:a16="http://schemas.microsoft.com/office/drawing/2014/main" id="{BAD11AEC-C2CE-4E2D-90F5-62BFDF48B1AB}"/>
+              </a:ext>
+            </a:extLst>
+          </p:cNvPr>
+          <p:cNvCxnSpPr>
+            <a:cxnSpLocks/>
+          </p:cNvCxnSpPr>
+          <p:nvPr/>
+        </p:nvCxnSpPr>
+        <p:spPr>
+          <a:xfrm>
+            <a:off x="6838240" y="5368449"/>
+            <a:ext cx="1445812" cy="0"/>
+          </a:xfrm>
+          <a:prstGeom prst="line">
+            <a:avLst/>
+          </a:prstGeom>
+        </p:spPr>
+        <p:style>
+          <a:lnRef idx="1">
+            <a:schemeClr val="accent1"/>
+          </a:lnRef>
+          <a:fillRef idx="0">
+            <a:schemeClr val="accent1"/>
+          </a:fillRef>
+          <a:effectRef idx="0">
+            <a:schemeClr val="accent1"/>
+          </a:effectRef>
+          <a:fontRef idx="minor">
+            <a:schemeClr val="tx1"/>
+          </a:fontRef>
+        </p:style>
+      </p:cxnSp>
+      <p:cxnSp>
+        <p:nvCxnSpPr>
+          <p:cNvPr id="19" name="Conector reto 18">
+            <a:extLst>
+              <a:ext uri="{FF2B5EF4-FFF2-40B4-BE49-F238E27FC236}">
+                <a16:creationId xmlns:a16="http://schemas.microsoft.com/office/drawing/2014/main" id="{270B0798-8D17-4CB7-8255-89E110807D2D}"/>
+              </a:ext>
+            </a:extLst>
+          </p:cNvPr>
+          <p:cNvCxnSpPr>
+            <a:cxnSpLocks/>
+          </p:cNvCxnSpPr>
+          <p:nvPr/>
+        </p:nvCxnSpPr>
+        <p:spPr>
+          <a:xfrm>
+            <a:off x="6838240" y="5576507"/>
+            <a:ext cx="1445812" cy="0"/>
+          </a:xfrm>
+          <a:prstGeom prst="line">
+            <a:avLst/>
+          </a:prstGeom>
+        </p:spPr>
+        <p:style>
+          <a:lnRef idx="1">
+            <a:schemeClr val="accent1"/>
+          </a:lnRef>
+          <a:fillRef idx="0">
+            <a:schemeClr val="accent1"/>
+          </a:fillRef>
+          <a:effectRef idx="0">
+            <a:schemeClr val="accent1"/>
+          </a:effectRef>
+          <a:fontRef idx="minor">
+            <a:schemeClr val="tx1"/>
+          </a:fontRef>
+        </p:style>
+      </p:cxnSp>
+      <p:cxnSp>
+        <p:nvCxnSpPr>
+          <p:cNvPr id="20" name="Conector reto 19">
+            <a:extLst>
+              <a:ext uri="{FF2B5EF4-FFF2-40B4-BE49-F238E27FC236}">
+                <a16:creationId xmlns:a16="http://schemas.microsoft.com/office/drawing/2014/main" id="{AFCF91C5-EC81-463D-B991-C400FFA4C8BA}"/>
+              </a:ext>
+            </a:extLst>
+          </p:cNvPr>
+          <p:cNvCxnSpPr>
+            <a:cxnSpLocks/>
+          </p:cNvCxnSpPr>
+          <p:nvPr/>
+        </p:nvCxnSpPr>
+        <p:spPr>
+          <a:xfrm>
+            <a:off x="1675282" y="6158277"/>
+            <a:ext cx="2093636" cy="0"/>
+          </a:xfrm>
+          <a:prstGeom prst="line">
+            <a:avLst/>
+          </a:prstGeom>
+        </p:spPr>
+        <p:style>
+          <a:lnRef idx="1">
+            <a:schemeClr val="accent1"/>
+          </a:lnRef>
+          <a:fillRef idx="0">
+            <a:schemeClr val="accent1"/>
+          </a:fillRef>
+          <a:effectRef idx="0">
+            <a:schemeClr val="accent1"/>
+          </a:effectRef>
+          <a:fontRef idx="minor">
+            <a:schemeClr val="tx1"/>
+          </a:fontRef>
+        </p:style>
+      </p:cxnSp>
+      <p:cxnSp>
+        <p:nvCxnSpPr>
+          <p:cNvPr id="22" name="Conector reto 21">
+            <a:extLst>
+              <a:ext uri="{FF2B5EF4-FFF2-40B4-BE49-F238E27FC236}">
+                <a16:creationId xmlns:a16="http://schemas.microsoft.com/office/drawing/2014/main" id="{C0803839-567E-404B-A3D0-28E14002D8DB}"/>
+              </a:ext>
+            </a:extLst>
+          </p:cNvPr>
+          <p:cNvCxnSpPr>
+            <a:cxnSpLocks/>
+          </p:cNvCxnSpPr>
+          <p:nvPr/>
+        </p:nvCxnSpPr>
+        <p:spPr>
+          <a:xfrm>
+            <a:off x="4454056" y="3845773"/>
+            <a:ext cx="2093636" cy="0"/>
+          </a:xfrm>
+          <a:prstGeom prst="line">
+            <a:avLst/>
+          </a:prstGeom>
+        </p:spPr>
+        <p:style>
+          <a:lnRef idx="1">
+            <a:schemeClr val="accent1"/>
+          </a:lnRef>
+          <a:fillRef idx="0">
+            <a:schemeClr val="accent1"/>
+          </a:fillRef>
+          <a:effectRef idx="0">
+            <a:schemeClr val="accent1"/>
+          </a:effectRef>
+          <a:fontRef idx="minor">
+            <a:schemeClr val="tx1"/>
+          </a:fontRef>
+        </p:style>
+      </p:cxnSp>
     </p:spTree>
     <p:extLst>
       <p:ext uri="{BB962C8B-B14F-4D97-AF65-F5344CB8AC3E}">
@@ -6443,6 +7006,21 @@
 </file>
 
 <file path=customXml/item1.xml><?xml version="1.0" encoding="utf-8"?>
+<p:properties xmlns:p="http://schemas.microsoft.com/office/2006/metadata/properties" xmlns:xsi="http://www.w3.org/2001/XMLSchema-instance" xmlns:pc="http://schemas.microsoft.com/office/infopath/2007/PartnerControls">
+  <documentManagement/>
+</p:properties>
+</file>
+
+<file path=customXml/item2.xml><?xml version="1.0" encoding="utf-8"?>
+<?mso-contentType ?>
+<FormTemplates xmlns="http://schemas.microsoft.com/sharepoint/v3/contenttype/forms">
+  <Display>DocumentLibraryForm</Display>
+  <Edit>DocumentLibraryForm</Edit>
+  <New>DocumentLibraryForm</New>
+</FormTemplates>
+</file>
+
+<file path=customXml/item3.xml><?xml version="1.0" encoding="utf-8"?>
 <ct:contentTypeSchema xmlns:ct="http://schemas.microsoft.com/office/2006/metadata/contentType" xmlns:ma="http://schemas.microsoft.com/office/2006/metadata/properties/metaAttributes" ct:_="" ma:_="" ma:contentTypeName="Documento" ma:contentTypeID="0x010100A18662A1FD92584D97BD4DA546A6E510" ma:contentTypeVersion="0" ma:contentTypeDescription="Crie um novo documento." ma:contentTypeScope="" ma:versionID="03efd7bc708889d636eb8ee0d37b4879">
   <xsd:schema xmlns:xsd="http://www.w3.org/2001/XMLSchema" xmlns:xs="http://www.w3.org/2001/XMLSchema" xmlns:p="http://schemas.microsoft.com/office/2006/metadata/properties" targetNamespace="http://schemas.microsoft.com/office/2006/metadata/properties" ma:root="true" ma:fieldsID="574c6ccb71ee63fbc30cff3237551ec3">
     <xsd:element name="properties">
@@ -6556,29 +7134,35 @@
 </ct:contentTypeSchema>
 </file>
 
-<file path=customXml/item2.xml><?xml version="1.0" encoding="utf-8"?>
-<?mso-contentType ?>
-<FormTemplates xmlns="http://schemas.microsoft.com/sharepoint/v3/contenttype/forms">
-  <Display>DocumentLibraryForm</Display>
-  <Edit>DocumentLibraryForm</Edit>
-  <New>DocumentLibraryForm</New>
-</FormTemplates>
-</file>
-
-<file path=customXml/item3.xml><?xml version="1.0" encoding="utf-8"?>
-<p:properties xmlns:p="http://schemas.microsoft.com/office/2006/metadata/properties" xmlns:xsi="http://www.w3.org/2001/XMLSchema-instance" xmlns:pc="http://schemas.microsoft.com/office/infopath/2007/PartnerControls">
-  <documentManagement/>
-</p:properties>
-</file>
-
 <file path=customXml/itemProps1.xml><?xml version="1.0" encoding="utf-8"?>
-<ds:datastoreItem xmlns:ds="http://schemas.openxmlformats.org/officeDocument/2006/customXml" ds:itemID="{0BD9240A-B201-4D27-8E09-5DE4596B4CE1}"/>
+<ds:datastoreItem xmlns:ds="http://schemas.openxmlformats.org/officeDocument/2006/customXml" ds:itemID="{FF12195D-6BBE-46DC-8BE6-218DBE265648}">
+  <ds:schemaRefs>
+    <ds:schemaRef ds:uri="http://schemas.microsoft.com/office/2006/metadata/properties"/>
+    <ds:schemaRef ds:uri="http://schemas.microsoft.com/office/infopath/2007/PartnerControls"/>
+  </ds:schemaRefs>
+</ds:datastoreItem>
 </file>
 
 <file path=customXml/itemProps2.xml><?xml version="1.0" encoding="utf-8"?>
-<ds:datastoreItem xmlns:ds="http://schemas.openxmlformats.org/officeDocument/2006/customXml" ds:itemID="{93C6E53E-4AD5-45DE-AEA9-61B909D614DB}"/>
+<ds:datastoreItem xmlns:ds="http://schemas.openxmlformats.org/officeDocument/2006/customXml" ds:itemID="{93C6E53E-4AD5-45DE-AEA9-61B909D614DB}">
+  <ds:schemaRefs>
+    <ds:schemaRef ds:uri="http://schemas.microsoft.com/sharepoint/v3/contenttype/forms"/>
+  </ds:schemaRefs>
+</ds:datastoreItem>
 </file>
 
 <file path=customXml/itemProps3.xml><?xml version="1.0" encoding="utf-8"?>
-<ds:datastoreItem xmlns:ds="http://schemas.openxmlformats.org/officeDocument/2006/customXml" ds:itemID="{FF12195D-6BBE-46DC-8BE6-218DBE265648}"/>
+<ds:datastoreItem xmlns:ds="http://schemas.openxmlformats.org/officeDocument/2006/customXml" ds:itemID="{0BD9240A-B201-4D27-8E09-5DE4596B4CE1}">
+  <ds:schemaRefs>
+    <ds:schemaRef ds:uri="http://schemas.microsoft.com/office/2006/metadata/contentType"/>
+    <ds:schemaRef ds:uri="http://schemas.microsoft.com/office/2006/metadata/properties/metaAttributes"/>
+    <ds:schemaRef ds:uri="http://www.w3.org/2001/XMLSchema"/>
+    <ds:schemaRef ds:uri="http://schemas.microsoft.com/office/2006/metadata/properties"/>
+    <ds:schemaRef ds:uri="http://schemas.openxmlformats.org/package/2006/metadata/core-properties"/>
+    <ds:schemaRef ds:uri="http://purl.org/dc/elements/1.1/"/>
+    <ds:schemaRef ds:uri="http://purl.org/dc/terms/"/>
+    <ds:schemaRef ds:uri="http://schemas.microsoft.com/internal/obd"/>
+    <ds:schemaRef ds:uri="http://schemas.microsoft.com/office/infopath/2007/PartnerControls"/>
+  </ds:schemaRefs>
+</ds:datastoreItem>
 </file>